--- a/9.Deep_learning/class_11.0_NLP_text_preprocessing_.pptx
+++ b/9.Deep_learning/class_11.0_NLP_text_preprocessing_.pptx
@@ -32,9 +32,10 @@
     <p:sldId id="415" r:id="rId25"/>
     <p:sldId id="416" r:id="rId26"/>
     <p:sldId id="417" r:id="rId27"/>
-    <p:sldId id="368" r:id="rId28"/>
-    <p:sldId id="393" r:id="rId29"/>
-    <p:sldId id="394" r:id="rId30"/>
+    <p:sldId id="422" r:id="rId28"/>
+    <p:sldId id="368" r:id="rId29"/>
+    <p:sldId id="393" r:id="rId30"/>
+    <p:sldId id="394" r:id="rId31"/>
   </p:sldIdLst>
   <p:sldSz cx="12192000" cy="6858000"/>
   <p:notesSz cx="6858000" cy="9144000"/>
@@ -7408,7 +7409,7 @@
             </a:endParaRPr>
           </a:p>
           <a:p>
-            <a:pPr marL="0" indent="0" algn="l" fontAlgn="base">
+            <a:pPr marL="457200" lvl="1" indent="0" algn="l" fontAlgn="base">
               <a:spcBef>
                 <a:spcPct val="0"/>
               </a:spcBef>
@@ -7441,7 +7442,7 @@
             </a:endParaRPr>
           </a:p>
           <a:p>
-            <a:pPr marL="0" indent="0" algn="l" fontAlgn="base">
+            <a:pPr marL="457200" lvl="1" indent="0" algn="l" fontAlgn="base">
               <a:spcBef>
                 <a:spcPct val="0"/>
               </a:spcBef>
@@ -7474,7 +7475,7 @@
             </a:endParaRPr>
           </a:p>
           <a:p>
-            <a:pPr marL="0" indent="0" algn="l" fontAlgn="base">
+            <a:pPr marL="457200" lvl="1" indent="0" algn="l" fontAlgn="base">
               <a:spcBef>
                 <a:spcPct val="0"/>
               </a:spcBef>
@@ -7507,7 +7508,7 @@
             </a:endParaRPr>
           </a:p>
           <a:p>
-            <a:pPr marL="0" indent="0" algn="l" fontAlgn="base">
+            <a:pPr marL="457200" lvl="1" indent="0" algn="l" fontAlgn="base">
               <a:spcBef>
                 <a:spcPct val="0"/>
               </a:spcBef>
@@ -7592,7 +7593,7 @@
             </a:endParaRPr>
           </a:p>
           <a:p>
-            <a:pPr marL="0" indent="0" algn="l" fontAlgn="base">
+            <a:pPr marL="457200" lvl="1" indent="0" algn="l" fontAlgn="base">
               <a:spcBef>
                 <a:spcPct val="0"/>
               </a:spcBef>
@@ -7625,7 +7626,7 @@
             </a:endParaRPr>
           </a:p>
           <a:p>
-            <a:pPr marL="0" indent="0" algn="l" fontAlgn="base">
+            <a:pPr marL="457200" lvl="1" indent="0" algn="l" fontAlgn="base">
               <a:spcBef>
                 <a:spcPct val="0"/>
               </a:spcBef>
@@ -7658,7 +7659,7 @@
             </a:endParaRPr>
           </a:p>
           <a:p>
-            <a:pPr marL="0" indent="0" algn="l" fontAlgn="base">
+            <a:pPr marL="457200" lvl="1" indent="0" algn="l" fontAlgn="base">
               <a:spcBef>
                 <a:spcPct val="0"/>
               </a:spcBef>
@@ -7691,7 +7692,7 @@
             </a:endParaRPr>
           </a:p>
           <a:p>
-            <a:pPr marL="0" indent="0" algn="l" fontAlgn="base">
+            <a:pPr marL="457200" lvl="1" indent="0" algn="l" fontAlgn="base">
               <a:spcBef>
                 <a:spcPct val="0"/>
               </a:spcBef>
@@ -7724,7 +7725,7 @@
             </a:endParaRPr>
           </a:p>
           <a:p>
-            <a:pPr marL="0" indent="0" algn="l" fontAlgn="base">
+            <a:pPr marL="457200" lvl="1" indent="0" algn="l" fontAlgn="base">
               <a:spcBef>
                 <a:spcPct val="0"/>
               </a:spcBef>
@@ -7757,7 +7758,7 @@
             </a:endParaRPr>
           </a:p>
           <a:p>
-            <a:pPr marL="0" indent="0" algn="l" fontAlgn="base">
+            <a:pPr marL="457200" lvl="1" indent="0" algn="l" fontAlgn="base">
               <a:spcBef>
                 <a:spcPct val="0"/>
               </a:spcBef>
@@ -7790,7 +7791,7 @@
             </a:endParaRPr>
           </a:p>
           <a:p>
-            <a:pPr marL="0" indent="0" algn="l" fontAlgn="base">
+            <a:pPr marL="457200" lvl="1" indent="0" algn="l" fontAlgn="base">
               <a:spcBef>
                 <a:spcPct val="0"/>
               </a:spcBef>
@@ -7950,7 +7951,7 @@
             </a:endParaRPr>
           </a:p>
           <a:p>
-            <a:pPr marL="0" indent="0" algn="l" fontAlgn="base">
+            <a:pPr marL="457200" lvl="1" indent="0" algn="l" fontAlgn="base">
               <a:spcBef>
                 <a:spcPct val="0"/>
               </a:spcBef>
@@ -7981,7 +7982,7 @@
             </a:endParaRPr>
           </a:p>
           <a:p>
-            <a:pPr marL="0" indent="0" algn="l" fontAlgn="base">
+            <a:pPr marL="457200" lvl="1" indent="0" algn="l" fontAlgn="base">
               <a:spcBef>
                 <a:spcPct val="0"/>
               </a:spcBef>
@@ -8012,7 +8013,7 @@
             </a:endParaRPr>
           </a:p>
           <a:p>
-            <a:pPr marL="0" indent="0" algn="l" fontAlgn="base">
+            <a:pPr marL="457200" lvl="1" indent="0" algn="l" fontAlgn="base">
               <a:spcBef>
                 <a:spcPct val="0"/>
               </a:spcBef>
@@ -8045,7 +8046,7 @@
             </a:endParaRPr>
           </a:p>
           <a:p>
-            <a:pPr marL="0" indent="0" algn="l" fontAlgn="base">
+            <a:pPr marL="457200" lvl="1" indent="0" algn="l" fontAlgn="base">
               <a:spcBef>
                 <a:spcPct val="0"/>
               </a:spcBef>
@@ -8076,7 +8077,7 @@
             </a:endParaRPr>
           </a:p>
           <a:p>
-            <a:pPr marL="0" indent="0" algn="l" fontAlgn="base">
+            <a:pPr marL="457200" lvl="1" indent="0" algn="l" fontAlgn="base">
               <a:spcBef>
                 <a:spcPct val="0"/>
               </a:spcBef>
@@ -8336,7 +8337,7 @@
             </a:endParaRPr>
           </a:p>
           <a:p>
-            <a:pPr marL="0" indent="0" algn="l" fontAlgn="base">
+            <a:pPr marL="457200" lvl="1" indent="0" algn="l" fontAlgn="base">
               <a:spcBef>
                 <a:spcPct val="0"/>
               </a:spcBef>
@@ -8367,7 +8368,7 @@
             </a:endParaRPr>
           </a:p>
           <a:p>
-            <a:pPr marL="0" indent="0" algn="l" fontAlgn="base">
+            <a:pPr marL="457200" lvl="1" indent="0" algn="l" fontAlgn="base">
               <a:spcBef>
                 <a:spcPct val="0"/>
               </a:spcBef>
@@ -8398,7 +8399,7 @@
             </a:endParaRPr>
           </a:p>
           <a:p>
-            <a:pPr marL="0" indent="0" algn="l" fontAlgn="base">
+            <a:pPr marL="457200" lvl="1" indent="0" algn="l" fontAlgn="base">
               <a:spcBef>
                 <a:spcPct val="0"/>
               </a:spcBef>
@@ -8429,7 +8430,7 @@
             </a:endParaRPr>
           </a:p>
           <a:p>
-            <a:pPr marL="0" indent="0" algn="l" fontAlgn="base">
+            <a:pPr marL="457200" lvl="1" indent="0" algn="l" fontAlgn="base">
               <a:spcBef>
                 <a:spcPct val="0"/>
               </a:spcBef>
@@ -8460,7 +8461,7 @@
             </a:endParaRPr>
           </a:p>
           <a:p>
-            <a:pPr marL="0" indent="0" algn="l" fontAlgn="base">
+            <a:pPr marL="457200" lvl="1" indent="0" algn="l" fontAlgn="base">
               <a:spcBef>
                 <a:spcPct val="0"/>
               </a:spcBef>
@@ -8528,7 +8529,7 @@
             </a:endParaRPr>
           </a:p>
           <a:p>
-            <a:pPr marL="0" indent="0" algn="l" fontAlgn="base">
+            <a:pPr marL="457200" lvl="1" indent="0" algn="l" fontAlgn="base">
               <a:spcBef>
                 <a:spcPct val="0"/>
               </a:spcBef>
@@ -8555,7 +8556,7 @@
             </a:endParaRPr>
           </a:p>
           <a:p>
-            <a:pPr marL="0" indent="0" algn="l" fontAlgn="base">
+            <a:pPr marL="914400" lvl="2" indent="0" algn="l" fontAlgn="base">
               <a:spcBef>
                 <a:spcPct val="0"/>
               </a:spcBef>
@@ -8637,7 +8638,7 @@
             </a:endParaRPr>
           </a:p>
           <a:p>
-            <a:pPr marL="0" indent="0" algn="l" fontAlgn="base">
+            <a:pPr marL="914400" lvl="2" indent="0" algn="l" fontAlgn="base">
               <a:spcBef>
                 <a:spcPct val="0"/>
               </a:spcBef>
@@ -8668,7 +8669,7 @@
             </a:endParaRPr>
           </a:p>
           <a:p>
-            <a:pPr marL="0" indent="0" algn="l" fontAlgn="base">
+            <a:pPr marL="914400" lvl="2" indent="0" algn="l" fontAlgn="base">
               <a:spcBef>
                 <a:spcPct val="0"/>
               </a:spcBef>
@@ -8699,7 +8700,7 @@
             </a:endParaRPr>
           </a:p>
           <a:p>
-            <a:pPr marL="0" indent="0" algn="l" fontAlgn="base">
+            <a:pPr marL="457200" lvl="1" indent="0" algn="l" fontAlgn="base">
               <a:spcBef>
                 <a:spcPct val="0"/>
               </a:spcBef>
@@ -8726,7 +8727,7 @@
             </a:endParaRPr>
           </a:p>
           <a:p>
-            <a:pPr marL="0" indent="0" algn="l" fontAlgn="base">
+            <a:pPr marL="914400" lvl="2" indent="0" algn="l" fontAlgn="base">
               <a:spcBef>
                 <a:spcPct val="0"/>
               </a:spcBef>
@@ -8757,7 +8758,7 @@
             </a:endParaRPr>
           </a:p>
           <a:p>
-            <a:pPr marL="0" indent="0" algn="l" fontAlgn="base">
+            <a:pPr marL="914400" lvl="2" indent="0" algn="l" fontAlgn="base">
               <a:spcBef>
                 <a:spcPct val="0"/>
               </a:spcBef>
@@ -8788,7 +8789,7 @@
             </a:endParaRPr>
           </a:p>
           <a:p>
-            <a:pPr marL="0" indent="0" algn="l" fontAlgn="base">
+            <a:pPr marL="457200" lvl="1" indent="0" algn="l" fontAlgn="base">
               <a:spcBef>
                 <a:spcPct val="0"/>
               </a:spcBef>
@@ -8942,7 +8943,7 @@
             </a:endParaRPr>
           </a:p>
           <a:p>
-            <a:pPr marL="0" indent="0" algn="l" fontAlgn="base">
+            <a:pPr marL="457200" lvl="1" indent="0" algn="l" fontAlgn="base">
               <a:spcBef>
                 <a:spcPct val="0"/>
               </a:spcBef>
@@ -8973,7 +8974,7 @@
             </a:endParaRPr>
           </a:p>
           <a:p>
-            <a:pPr marL="0" indent="0" algn="l" fontAlgn="base">
+            <a:pPr marL="457200" lvl="1" indent="0" algn="l" fontAlgn="base">
               <a:spcBef>
                 <a:spcPct val="0"/>
               </a:spcBef>
@@ -9004,7 +9005,7 @@
             </a:endParaRPr>
           </a:p>
           <a:p>
-            <a:pPr marL="0" indent="0" algn="l" fontAlgn="base">
+            <a:pPr marL="457200" lvl="1" indent="0" algn="l" fontAlgn="base">
               <a:spcBef>
                 <a:spcPct val="0"/>
               </a:spcBef>
@@ -9035,7 +9036,7 @@
             </a:endParaRPr>
           </a:p>
           <a:p>
-            <a:pPr marL="0" indent="0" algn="l" fontAlgn="base">
+            <a:pPr marL="457200" lvl="1" indent="0" algn="l" fontAlgn="base">
               <a:spcBef>
                 <a:spcPct val="0"/>
               </a:spcBef>
@@ -9066,7 +9067,7 @@
             </a:endParaRPr>
           </a:p>
           <a:p>
-            <a:pPr marL="0" indent="0" algn="l" fontAlgn="base">
+            <a:pPr marL="457200" lvl="1" indent="0" algn="l" fontAlgn="base">
               <a:spcBef>
                 <a:spcPct val="0"/>
               </a:spcBef>
@@ -9097,7 +9098,7 @@
             </a:endParaRPr>
           </a:p>
           <a:p>
-            <a:pPr marL="0" indent="0" algn="l" fontAlgn="base">
+            <a:pPr marL="457200" lvl="1" indent="0" algn="l" fontAlgn="base">
               <a:spcBef>
                 <a:spcPct val="0"/>
               </a:spcBef>
@@ -9193,7 +9194,7 @@
             </a:endParaRPr>
           </a:p>
           <a:p>
-            <a:pPr marL="0" indent="0" algn="l" fontAlgn="base">
+            <a:pPr marL="457200" lvl="1" indent="0" algn="l" fontAlgn="base">
               <a:spcBef>
                 <a:spcPct val="0"/>
               </a:spcBef>
@@ -9224,7 +9225,7 @@
             </a:endParaRPr>
           </a:p>
           <a:p>
-            <a:pPr marL="0" indent="0" algn="l" fontAlgn="base">
+            <a:pPr marL="457200" lvl="1" indent="0" algn="l" fontAlgn="base">
               <a:spcBef>
                 <a:spcPct val="0"/>
               </a:spcBef>
@@ -9255,7 +9256,7 @@
             </a:endParaRPr>
           </a:p>
           <a:p>
-            <a:pPr marL="0" indent="0" algn="l" fontAlgn="base">
+            <a:pPr marL="457200" lvl="1" indent="0" algn="l" fontAlgn="base">
               <a:spcBef>
                 <a:spcPct val="0"/>
               </a:spcBef>
@@ -9286,7 +9287,7 @@
             </a:endParaRPr>
           </a:p>
           <a:p>
-            <a:pPr marL="0" indent="0" algn="l" fontAlgn="base">
+            <a:pPr marL="457200" lvl="1" indent="0" algn="l" fontAlgn="base">
               <a:spcBef>
                 <a:spcPct val="0"/>
               </a:spcBef>
@@ -9414,7 +9415,7 @@
             </a:endParaRPr>
           </a:p>
           <a:p>
-            <a:pPr marL="0" indent="0" algn="l" fontAlgn="base">
+            <a:pPr marL="457200" lvl="1" indent="0" algn="l" fontAlgn="base">
               <a:spcBef>
                 <a:spcPct val="0"/>
               </a:spcBef>
@@ -9447,7 +9448,7 @@
             </a:endParaRPr>
           </a:p>
           <a:p>
-            <a:pPr marL="0" indent="0" algn="l" fontAlgn="base">
+            <a:pPr marL="457200" lvl="1" indent="0" algn="l" fontAlgn="base">
               <a:spcBef>
                 <a:spcPct val="0"/>
               </a:spcBef>
@@ -9480,7 +9481,7 @@
             </a:endParaRPr>
           </a:p>
           <a:p>
-            <a:pPr marL="0" indent="0" algn="l" fontAlgn="base">
+            <a:pPr marL="457200" lvl="1" indent="0" algn="l" fontAlgn="base">
               <a:spcBef>
                 <a:spcPct val="0"/>
               </a:spcBef>
@@ -9513,7 +9514,7 @@
             </a:endParaRPr>
           </a:p>
           <a:p>
-            <a:pPr marL="0" indent="0" algn="l" fontAlgn="base">
+            <a:pPr marL="457200" lvl="1" indent="0" algn="l" fontAlgn="base">
               <a:spcBef>
                 <a:spcPct val="0"/>
               </a:spcBef>
@@ -9546,7 +9547,7 @@
             </a:endParaRPr>
           </a:p>
           <a:p>
-            <a:pPr marL="0" indent="0" algn="l" fontAlgn="base">
+            <a:pPr marL="457200" lvl="1" indent="0" algn="l" fontAlgn="base">
               <a:spcBef>
                 <a:spcPct val="0"/>
               </a:spcBef>
@@ -9608,7 +9609,7 @@
             </a:endParaRPr>
           </a:p>
           <a:p>
-            <a:pPr marL="0" indent="0" algn="l" fontAlgn="base">
+            <a:pPr marL="457200" lvl="1" indent="0" algn="l" fontAlgn="base">
               <a:spcBef>
                 <a:spcPct val="0"/>
               </a:spcBef>
@@ -9641,7 +9642,7 @@
             </a:endParaRPr>
           </a:p>
           <a:p>
-            <a:pPr marL="0" indent="0" algn="l" fontAlgn="base">
+            <a:pPr marL="457200" lvl="1" indent="0" algn="l" fontAlgn="base">
               <a:spcBef>
                 <a:spcPct val="0"/>
               </a:spcBef>
@@ -9674,7 +9675,7 @@
             </a:endParaRPr>
           </a:p>
           <a:p>
-            <a:pPr marL="0" indent="0" algn="l" fontAlgn="base">
+            <a:pPr marL="457200" lvl="1" indent="0" algn="l" fontAlgn="base">
               <a:spcBef>
                 <a:spcPct val="0"/>
               </a:spcBef>
@@ -9707,7 +9708,7 @@
             </a:endParaRPr>
           </a:p>
           <a:p>
-            <a:pPr marL="0" indent="0" algn="l" fontAlgn="base">
+            <a:pPr marL="457200" lvl="1" indent="0" algn="l" fontAlgn="base">
               <a:spcBef>
                 <a:spcPct val="0"/>
               </a:spcBef>
@@ -9769,7 +9770,7 @@
             </a:endParaRPr>
           </a:p>
           <a:p>
-            <a:pPr marL="0" indent="0" algn="l" fontAlgn="base">
+            <a:pPr marL="457200" lvl="1" indent="0" algn="l" fontAlgn="base">
               <a:spcBef>
                 <a:spcPct val="0"/>
               </a:spcBef>
@@ -9802,7 +9803,7 @@
             </a:endParaRPr>
           </a:p>
           <a:p>
-            <a:pPr marL="0" indent="0" algn="l" fontAlgn="base">
+            <a:pPr marL="457200" lvl="1" indent="0" algn="l" fontAlgn="base">
               <a:spcBef>
                 <a:spcPct val="0"/>
               </a:spcBef>
@@ -9835,7 +9836,7 @@
             </a:endParaRPr>
           </a:p>
           <a:p>
-            <a:pPr marL="0" indent="0" algn="l" fontAlgn="base">
+            <a:pPr marL="457200" lvl="1" indent="0" algn="l" fontAlgn="base">
               <a:spcBef>
                 <a:spcPct val="0"/>
               </a:spcBef>
@@ -9897,7 +9898,7 @@
             </a:endParaRPr>
           </a:p>
           <a:p>
-            <a:pPr marL="0" indent="0" algn="l" fontAlgn="base">
+            <a:pPr marL="457200" lvl="1" indent="0" algn="l" fontAlgn="base">
               <a:spcBef>
                 <a:spcPct val="0"/>
               </a:spcBef>
@@ -9930,7 +9931,7 @@
             </a:endParaRPr>
           </a:p>
           <a:p>
-            <a:pPr marL="0" indent="0" algn="l" fontAlgn="base">
+            <a:pPr marL="457200" lvl="1" indent="0" algn="l" fontAlgn="base">
               <a:spcBef>
                 <a:spcPct val="0"/>
               </a:spcBef>
@@ -9992,7 +9993,7 @@
             </a:endParaRPr>
           </a:p>
           <a:p>
-            <a:pPr marL="0" indent="0" algn="l" fontAlgn="base">
+            <a:pPr marL="457200" lvl="1" indent="0" algn="l" fontAlgn="base">
               <a:spcBef>
                 <a:spcPct val="0"/>
               </a:spcBef>
@@ -10025,7 +10026,7 @@
             </a:endParaRPr>
           </a:p>
           <a:p>
-            <a:pPr marL="0" indent="0" algn="l" fontAlgn="base">
+            <a:pPr marL="457200" lvl="1" indent="0" algn="l" fontAlgn="base">
               <a:spcBef>
                 <a:spcPct val="0"/>
               </a:spcBef>
@@ -10058,7 +10059,7 @@
             </a:endParaRPr>
           </a:p>
           <a:p>
-            <a:pPr marL="0" indent="0" algn="l" fontAlgn="base">
+            <a:pPr marL="457200" lvl="1" indent="0" algn="l" fontAlgn="base">
               <a:spcBef>
                 <a:spcPct val="0"/>
               </a:spcBef>
@@ -10120,7 +10121,7 @@
             </a:endParaRPr>
           </a:p>
           <a:p>
-            <a:pPr marL="0" indent="0" algn="l" fontAlgn="base">
+            <a:pPr marL="457200" lvl="1" indent="0" algn="l" fontAlgn="base">
               <a:spcBef>
                 <a:spcPct val="0"/>
               </a:spcBef>
@@ -10153,7 +10154,7 @@
             </a:endParaRPr>
           </a:p>
           <a:p>
-            <a:pPr marL="0" indent="0" algn="l" fontAlgn="base">
+            <a:pPr marL="457200" lvl="1" indent="0" algn="l" fontAlgn="base">
               <a:spcBef>
                 <a:spcPct val="0"/>
               </a:spcBef>
@@ -10186,7 +10187,7 @@
             </a:endParaRPr>
           </a:p>
           <a:p>
-            <a:pPr marL="0" indent="0" algn="l" fontAlgn="base">
+            <a:pPr marL="457200" lvl="1" indent="0" algn="l" fontAlgn="base">
               <a:spcBef>
                 <a:spcPct val="0"/>
               </a:spcBef>
@@ -10229,6 +10230,147 @@
 </file>
 
 <file path=ppt/slides/slide25.xml><?xml version="1.0" encoding="utf-8"?>
+<p:sld xmlns:a="http://schemas.openxmlformats.org/drawingml/2006/main" xmlns:r="http://schemas.openxmlformats.org/officeDocument/2006/relationships" xmlns:p="http://schemas.openxmlformats.org/presentationml/2006/main">
+  <p:cSld>
+    <p:spTree>
+      <p:nvGrpSpPr>
+        <p:cNvPr id="1" name=""/>
+        <p:cNvGrpSpPr/>
+        <p:nvPr/>
+      </p:nvGrpSpPr>
+      <p:grpSpPr/>
+      <p:sp>
+        <p:nvSpPr>
+          <p:cNvPr id="2" name="Text Box 1"/>
+          <p:cNvSpPr txBox="1"/>
+          <p:nvPr/>
+        </p:nvSpPr>
+        <p:spPr>
+          <a:xfrm>
+            <a:off x="957580" y="678815"/>
+            <a:ext cx="4064000" cy="1198880"/>
+          </a:xfrm>
+          <a:prstGeom prst="rect">
+            <a:avLst/>
+          </a:prstGeom>
+          <a:noFill/>
+        </p:spPr>
+        <p:txBody>
+          <a:bodyPr wrap="square" rtlCol="0">
+            <a:spAutoFit/>
+          </a:bodyPr>
+          <a:p>
+            <a:r>
+              <a:rPr lang="en-US"/>
+              <a:t>Language Modeling</a:t>
+            </a:r>
+            <a:endParaRPr lang="en-US"/>
+          </a:p>
+          <a:p>
+            <a:endParaRPr lang="en-US"/>
+          </a:p>
+          <a:p>
+            <a:r>
+              <a:rPr lang="en-US"/>
+              <a:t>given all previous words in a text predictnext occuring words</a:t>
+            </a:r>
+            <a:endParaRPr lang="en-US"/>
+          </a:p>
+        </p:txBody>
+      </p:sp>
+      <p:sp>
+        <p:nvSpPr>
+          <p:cNvPr id="3" name="Text Box 2"/>
+          <p:cNvSpPr txBox="1"/>
+          <p:nvPr/>
+        </p:nvSpPr>
+        <p:spPr>
+          <a:xfrm>
+            <a:off x="1029970" y="2696210"/>
+            <a:ext cx="4064000" cy="2030095"/>
+          </a:xfrm>
+          <a:prstGeom prst="rect">
+            <a:avLst/>
+          </a:prstGeom>
+          <a:noFill/>
+        </p:spPr>
+        <p:txBody>
+          <a:bodyPr wrap="square" rtlCol="0">
+            <a:spAutoFit/>
+          </a:bodyPr>
+          <a:p>
+            <a:r>
+              <a:rPr lang="en-US">
+                <a:sym typeface="+mn-ea"/>
+              </a:rPr>
+              <a:t>Language Modeling (Pre deep learning)</a:t>
+            </a:r>
+            <a:endParaRPr lang="en-US">
+              <a:sym typeface="+mn-ea"/>
+            </a:endParaRPr>
+          </a:p>
+          <a:p>
+            <a:pPr marL="742950" lvl="1" indent="-285750">
+              <a:buFont typeface="Arial" panose="020B0604020202020204" pitchFamily="34" charset="0"/>
+              <a:buChar char="•"/>
+            </a:pPr>
+            <a:r>
+              <a:rPr lang="en-US"/>
+              <a:t>n-gram	 LM</a:t>
+            </a:r>
+            <a:endParaRPr lang="en-US"/>
+          </a:p>
+          <a:p>
+            <a:pPr marL="742950" lvl="1" indent="-285750">
+              <a:buFont typeface="Arial" panose="020B0604020202020204" pitchFamily="34" charset="0"/>
+              <a:buChar char="•"/>
+            </a:pPr>
+            <a:r>
+              <a:rPr lang="en-US"/>
+              <a:t>types --&gt; uni,bi,tri,</a:t>
+            </a:r>
+            <a:endParaRPr lang="en-US"/>
+          </a:p>
+          <a:p>
+            <a:pPr marL="742950" lvl="1" indent="-285750">
+              <a:buFont typeface="Arial" panose="020B0604020202020204" pitchFamily="34" charset="0"/>
+              <a:buChar char="•"/>
+            </a:pPr>
+            <a:r>
+              <a:rPr lang="en-US"/>
+              <a:t>how it works</a:t>
+            </a:r>
+            <a:endParaRPr lang="en-US"/>
+          </a:p>
+          <a:p>
+            <a:pPr marL="742950" lvl="1" indent="-285750">
+              <a:buFont typeface="Arial" panose="020B0604020202020204" pitchFamily="34" charset="0"/>
+              <a:buChar char="•"/>
+            </a:pPr>
+            <a:r>
+              <a:rPr lang="en-US"/>
+              <a:t>what is problem in n-gram (loosing context)</a:t>
+            </a:r>
+            <a:endParaRPr lang="en-US"/>
+          </a:p>
+          <a:p>
+            <a:pPr marL="742950" lvl="1" indent="-285750">
+              <a:buFont typeface="Arial" panose="020B0604020202020204" pitchFamily="34" charset="0"/>
+              <a:buChar char="•"/>
+            </a:pPr>
+            <a:endParaRPr lang="en-US"/>
+          </a:p>
+        </p:txBody>
+      </p:sp>
+    </p:spTree>
+  </p:cSld>
+  <p:clrMapOvr>
+    <a:masterClrMapping/>
+  </p:clrMapOvr>
+</p:sld>
+</file>
+
+<file path=ppt/slides/slide26.xml><?xml version="1.0" encoding="utf-8"?>
 <p:sld xmlns:a="http://schemas.openxmlformats.org/drawingml/2006/main" xmlns:r="http://schemas.openxmlformats.org/officeDocument/2006/relationships" xmlns:p="http://schemas.openxmlformats.org/presentationml/2006/main">
   <p:cSld>
     <p:spTree>
@@ -10671,7 +10813,7 @@
 </p:sld>
 </file>
 
-<file path=ppt/slides/slide26.xml><?xml version="1.0" encoding="utf-8"?>
+<file path=ppt/slides/slide27.xml><?xml version="1.0" encoding="utf-8"?>
 <p:sld xmlns:a="http://schemas.openxmlformats.org/drawingml/2006/main" xmlns:r="http://schemas.openxmlformats.org/officeDocument/2006/relationships" xmlns:p="http://schemas.openxmlformats.org/presentationml/2006/main">
   <p:cSld>
     <p:spTree>
@@ -10755,7 +10897,7 @@
 </p:sld>
 </file>
 
-<file path=ppt/slides/slide27.xml><?xml version="1.0" encoding="utf-8"?>
+<file path=ppt/slides/slide28.xml><?xml version="1.0" encoding="utf-8"?>
 <p:sld xmlns:a="http://schemas.openxmlformats.org/drawingml/2006/main" xmlns:r="http://schemas.openxmlformats.org/officeDocument/2006/relationships" xmlns:p="http://schemas.openxmlformats.org/presentationml/2006/main">
   <p:cSld>
     <p:spTree>
